--- a/ACS/AC6/LucasKurata_AC06_V2.pptx
+++ b/ACS/AC6/LucasKurata_AC06_V2.pptx
@@ -247,7 +247,7 @@
           <a:p>
             <a:fld id="{92E422EF-B27F-4667-8CA7-4B1FA23F92F5}" type="datetimeFigureOut">
               <a:rPr lang="pt-BR" smtClean="0"/>
-              <a:t>17/05/2019</a:t>
+              <a:t>18/05/2019</a:t>
             </a:fld>
             <a:endParaRPr lang="pt-BR"/>
           </a:p>
@@ -415,7 +415,7 @@
           <a:p>
             <a:fld id="{92E422EF-B27F-4667-8CA7-4B1FA23F92F5}" type="datetimeFigureOut">
               <a:rPr lang="pt-BR" smtClean="0"/>
-              <a:t>17/05/2019</a:t>
+              <a:t>18/05/2019</a:t>
             </a:fld>
             <a:endParaRPr lang="pt-BR"/>
           </a:p>
@@ -593,7 +593,7 @@
           <a:p>
             <a:fld id="{92E422EF-B27F-4667-8CA7-4B1FA23F92F5}" type="datetimeFigureOut">
               <a:rPr lang="pt-BR" smtClean="0"/>
-              <a:t>17/05/2019</a:t>
+              <a:t>18/05/2019</a:t>
             </a:fld>
             <a:endParaRPr lang="pt-BR"/>
           </a:p>
@@ -761,7 +761,7 @@
           <a:p>
             <a:fld id="{92E422EF-B27F-4667-8CA7-4B1FA23F92F5}" type="datetimeFigureOut">
               <a:rPr lang="pt-BR" smtClean="0"/>
-              <a:t>17/05/2019</a:t>
+              <a:t>18/05/2019</a:t>
             </a:fld>
             <a:endParaRPr lang="pt-BR"/>
           </a:p>
@@ -1006,7 +1006,7 @@
           <a:p>
             <a:fld id="{92E422EF-B27F-4667-8CA7-4B1FA23F92F5}" type="datetimeFigureOut">
               <a:rPr lang="pt-BR" smtClean="0"/>
-              <a:t>17/05/2019</a:t>
+              <a:t>18/05/2019</a:t>
             </a:fld>
             <a:endParaRPr lang="pt-BR"/>
           </a:p>
@@ -1235,7 +1235,7 @@
           <a:p>
             <a:fld id="{92E422EF-B27F-4667-8CA7-4B1FA23F92F5}" type="datetimeFigureOut">
               <a:rPr lang="pt-BR" smtClean="0"/>
-              <a:t>17/05/2019</a:t>
+              <a:t>18/05/2019</a:t>
             </a:fld>
             <a:endParaRPr lang="pt-BR"/>
           </a:p>
@@ -1599,7 +1599,7 @@
           <a:p>
             <a:fld id="{92E422EF-B27F-4667-8CA7-4B1FA23F92F5}" type="datetimeFigureOut">
               <a:rPr lang="pt-BR" smtClean="0"/>
-              <a:t>17/05/2019</a:t>
+              <a:t>18/05/2019</a:t>
             </a:fld>
             <a:endParaRPr lang="pt-BR"/>
           </a:p>
@@ -1716,7 +1716,7 @@
           <a:p>
             <a:fld id="{92E422EF-B27F-4667-8CA7-4B1FA23F92F5}" type="datetimeFigureOut">
               <a:rPr lang="pt-BR" smtClean="0"/>
-              <a:t>17/05/2019</a:t>
+              <a:t>18/05/2019</a:t>
             </a:fld>
             <a:endParaRPr lang="pt-BR"/>
           </a:p>
@@ -1811,7 +1811,7 @@
           <a:p>
             <a:fld id="{92E422EF-B27F-4667-8CA7-4B1FA23F92F5}" type="datetimeFigureOut">
               <a:rPr lang="pt-BR" smtClean="0"/>
-              <a:t>17/05/2019</a:t>
+              <a:t>18/05/2019</a:t>
             </a:fld>
             <a:endParaRPr lang="pt-BR"/>
           </a:p>
@@ -2086,7 +2086,7 @@
           <a:p>
             <a:fld id="{92E422EF-B27F-4667-8CA7-4B1FA23F92F5}" type="datetimeFigureOut">
               <a:rPr lang="pt-BR" smtClean="0"/>
-              <a:t>17/05/2019</a:t>
+              <a:t>18/05/2019</a:t>
             </a:fld>
             <a:endParaRPr lang="pt-BR"/>
           </a:p>
@@ -2338,7 +2338,7 @@
           <a:p>
             <a:fld id="{92E422EF-B27F-4667-8CA7-4B1FA23F92F5}" type="datetimeFigureOut">
               <a:rPr lang="pt-BR" smtClean="0"/>
-              <a:t>17/05/2019</a:t>
+              <a:t>18/05/2019</a:t>
             </a:fld>
             <a:endParaRPr lang="pt-BR"/>
           </a:p>
@@ -2549,7 +2549,7 @@
           <a:p>
             <a:fld id="{92E422EF-B27F-4667-8CA7-4B1FA23F92F5}" type="datetimeFigureOut">
               <a:rPr lang="pt-BR" smtClean="0"/>
-              <a:t>17/05/2019</a:t>
+              <a:t>18/05/2019</a:t>
             </a:fld>
             <a:endParaRPr lang="pt-BR"/>
           </a:p>
